--- a/things/MiFloraGateway/MiFloraGateway.pptx
+++ b/things/MiFloraGateway/MiFloraGateway.pptx
@@ -2434,19 +2434,7 @@
               <a:rPr lang="de-DE" sz="1400" dirty="0">
                 <a:hlinkClick r:id="rId7"/>
               </a:rPr>
-              <a:t>http://192.168.0.60/setconfig?</a:t>
-            </a:r>
-            <a:r>
-              <a:rPr lang="de-DE" sz="1400" dirty="0">
-                <a:hlinkClick r:id="rId7"/>
-              </a:rPr>
-              <a:t>mqtt</a:t>
-            </a:r>
-            <a:r>
-              <a:rPr lang="de-DE" sz="1400" dirty="0">
-                <a:hlinkClick r:id="rId7"/>
-              </a:rPr>
-              <a:t>user=openhabian&amp;mqttpassword=piKla87Sie57</a:t>
+              <a:t>http://192.168.0.60/setconfig?mqttuser=openhabian&amp;mqttpassword=piKla87Sie57</a:t>
             </a:r>
             <a:r>
               <a:rPr lang="de-DE" sz="1400" dirty="0"/>

--- a/things/MiFloraGateway/MiFloraGateway.pptx
+++ b/things/MiFloraGateway/MiFloraGateway.pptx
@@ -5,15 +5,16 @@
     <p:sldMasterId id="2147483686" r:id="rId1"/>
   </p:sldMasterIdLst>
   <p:notesMasterIdLst>
-    <p:notesMasterId r:id="rId5"/>
+    <p:notesMasterId r:id="rId6"/>
   </p:notesMasterIdLst>
   <p:handoutMasterIdLst>
-    <p:handoutMasterId r:id="rId6"/>
+    <p:handoutMasterId r:id="rId7"/>
   </p:handoutMasterIdLst>
   <p:sldIdLst>
     <p:sldId id="881" r:id="rId2"/>
     <p:sldId id="859" r:id="rId3"/>
     <p:sldId id="882" r:id="rId4"/>
+    <p:sldId id="883" r:id="rId5"/>
   </p:sldIdLst>
   <p:sldSz cx="9144000" cy="6858000" type="screen4x3"/>
   <p:notesSz cx="6797675" cy="9926638"/>
@@ -282,7 +283,7 @@
               <a:pPr>
                 <a:defRPr/>
               </a:pPr>
-              <a:t>30.09.2019</a:t>
+              <a:t>02.06.2020</a:t>
             </a:fld>
             <a:endParaRPr lang="de-AT"/>
           </a:p>
@@ -497,7 +498,7 @@
               <a:pPr>
                 <a:defRPr/>
               </a:pPr>
-              <a:t>30.09.2019</a:t>
+              <a:t>02.06.2020</a:t>
             </a:fld>
             <a:endParaRPr lang="de-AT"/>
           </a:p>
@@ -2346,7 +2347,7 @@
         </p:nvSpPr>
         <p:spPr>
           <a:xfrm>
-            <a:off x="468313" y="980728"/>
+            <a:off x="468313" y="908720"/>
             <a:ext cx="8207375" cy="4608165"/>
           </a:xfrm>
         </p:spPr>
@@ -2355,216 +2356,153 @@
           <a:lstStyle/>
           <a:p>
             <a:r>
-              <a:rPr lang="de-DE" sz="1600" dirty="0"/>
-              <a:t>Allgemein</a:t>
-            </a:r>
-          </a:p>
-          <a:p>
-            <a:pPr lvl="1"/>
-            <a:r>
-              <a:rPr lang="de-DE" sz="1400" dirty="0">
-                <a:hlinkClick r:id="rId2"/>
-              </a:rPr>
-              <a:t>http://192.168.0.60/setconfig?ssid=linksysAtHome&amp;password=YJXPF4WAC7</a:t>
-            </a:r>
-            <a:r>
-              <a:rPr lang="de-DE" sz="1400" dirty="0"/>
-              <a:t> </a:t>
-            </a:r>
-          </a:p>
-          <a:p>
-            <a:pPr lvl="1"/>
-            <a:r>
-              <a:rPr lang="de-DE" sz="1400" dirty="0">
-                <a:hlinkClick r:id="rId3"/>
-              </a:rPr>
-              <a:t>http://192.168.0.60/setconfig?ssid=A1-B5035B&amp;password=52809766B6</a:t>
-            </a:r>
-            <a:endParaRPr lang="de-DE" sz="1400" dirty="0"/>
-          </a:p>
-          <a:p>
-            <a:pPr lvl="1"/>
-            <a:r>
-              <a:rPr lang="de-DE" sz="1400" dirty="0">
-                <a:hlinkClick r:id="rId4"/>
-              </a:rPr>
-              <a:t>http://192.168.0.60/setconfig?ntpserver=192.168.0.2</a:t>
-            </a:r>
-            <a:r>
-              <a:rPr lang="de-DE" sz="1400" dirty="0"/>
-              <a:t>  </a:t>
-            </a:r>
-          </a:p>
-          <a:p>
-            <a:endParaRPr lang="de-DE" sz="1600" dirty="0"/>
-          </a:p>
-          <a:p>
-            <a:r>
-              <a:rPr lang="de-DE" sz="1600" dirty="0" err="1"/>
-              <a:t>Mqtt</a:t>
-            </a:r>
-            <a:endParaRPr lang="de-DE" sz="1600" dirty="0"/>
-          </a:p>
-          <a:p>
-            <a:pPr lvl="1"/>
-            <a:r>
-              <a:rPr lang="de-DE" sz="1400" dirty="0">
-                <a:hlinkClick r:id="rId5"/>
-              </a:rPr>
-              <a:t>http://192.168.0.60/setconfig?httpmqttgateway=</a:t>
-            </a:r>
-            <a:r>
-              <a:rPr lang="de-DE" sz="1400" dirty="0"/>
-              <a:t>  </a:t>
-            </a:r>
-          </a:p>
-          <a:p>
-            <a:pPr lvl="1"/>
-            <a:r>
-              <a:rPr lang="de-DE" sz="1400" dirty="0">
-                <a:hlinkClick r:id="rId6"/>
-              </a:rPr>
-              <a:t>http://192.168.0.60/setconfig?mqttbroker=ssdpi&amp;mqttport=8883</a:t>
-            </a:r>
-            <a:endParaRPr lang="de-DE" sz="1400" dirty="0"/>
-          </a:p>
-          <a:p>
-            <a:pPr lvl="1"/>
-            <a:r>
-              <a:rPr lang="de-DE" sz="1400" dirty="0">
-                <a:hlinkClick r:id="rId7"/>
-              </a:rPr>
-              <a:t>http://192.168.0.60/setconfig?mqttuser=openhabian&amp;mqttpassword=piKla87Sie57</a:t>
-            </a:r>
-            <a:r>
-              <a:rPr lang="de-DE" sz="1400" dirty="0"/>
-              <a:t> </a:t>
-            </a:r>
-          </a:p>
-          <a:p>
-            <a:pPr lvl="1"/>
-            <a:endParaRPr lang="de-DE" sz="1400" dirty="0"/>
-          </a:p>
-          <a:p>
-            <a:pPr lvl="1"/>
-            <a:r>
-              <a:rPr lang="de-DE" sz="1400" dirty="0">
-                <a:hlinkClick r:id="rId8"/>
-              </a:rPr>
-              <a:t>http://192.168.0.60/getconfig?mqttpassword</a:t>
-            </a:r>
-            <a:r>
-              <a:rPr lang="de-DE" sz="1400" dirty="0"/>
-              <a:t> </a:t>
-            </a:r>
-          </a:p>
-          <a:p>
-            <a:pPr lvl="1"/>
-            <a:r>
-              <a:rPr lang="de-DE" sz="1400" dirty="0">
-                <a:hlinkClick r:id="rId9"/>
-              </a:rPr>
-              <a:t>http://192.168.0.60/getconfig?mqttuser</a:t>
-            </a:r>
-            <a:r>
-              <a:rPr lang="de-DE" sz="1400" dirty="0"/>
-              <a:t> </a:t>
-            </a:r>
-          </a:p>
-          <a:p>
-            <a:endParaRPr lang="de-DE" sz="1600" dirty="0"/>
-          </a:p>
-          <a:p>
-            <a:r>
-              <a:rPr lang="de-DE" sz="1600" dirty="0"/>
-              <a:t>Http</a:t>
-            </a:r>
-          </a:p>
-          <a:p>
-            <a:pPr lvl="1"/>
-            <a:r>
-              <a:rPr lang="de-DE" sz="1400" dirty="0">
-                <a:hlinkClick r:id="rId10"/>
-              </a:rPr>
-              <a:t>http://192.168.0.60/setconfig?httpmqttgateway=leonding.synology.me/esplogs/mqtt</a:t>
-            </a:r>
-            <a:r>
-              <a:rPr lang="de-DE" sz="1400" dirty="0"/>
-              <a:t> </a:t>
-            </a:r>
-          </a:p>
-          <a:p>
-            <a:pPr lvl="1"/>
-            <a:r>
-              <a:rPr lang="de-DE" sz="1400" dirty="0">
-                <a:hlinkClick r:id="rId11"/>
-              </a:rPr>
-              <a:t>http://192.168.0.60/setconfig?httpuser=gerald&amp;httppassword=piKla87Sie57</a:t>
-            </a:r>
-            <a:r>
-              <a:rPr lang="de-DE" sz="1400" dirty="0"/>
-              <a:t> </a:t>
-            </a:r>
-          </a:p>
-          <a:p>
-            <a:pPr lvl="1"/>
-            <a:endParaRPr lang="de-DE" sz="1400" dirty="0"/>
-          </a:p>
-          <a:p>
-            <a:pPr lvl="1"/>
-            <a:r>
-              <a:rPr lang="de-DE" sz="1400" dirty="0">
-                <a:hlinkClick r:id="rId12"/>
-              </a:rPr>
-              <a:t>http://192.168.0.60/getconfig?httpuser</a:t>
-            </a:r>
-            <a:r>
-              <a:rPr lang="de-DE" sz="1400" dirty="0"/>
-              <a:t> </a:t>
-            </a:r>
-          </a:p>
-          <a:p>
-            <a:pPr lvl="1"/>
-            <a:r>
-              <a:rPr lang="de-DE" sz="1400" dirty="0">
-                <a:hlinkClick r:id="rId13"/>
-              </a:rPr>
-              <a:t>http://192.168.0.60/getconfig?httppassword</a:t>
-            </a:r>
-            <a:r>
-              <a:rPr lang="de-DE" sz="1400" dirty="0"/>
-              <a:t> </a:t>
-            </a:r>
-          </a:p>
-          <a:p>
-            <a:pPr lvl="1"/>
-            <a:r>
-              <a:rPr lang="de-DE" sz="1400" dirty="0">
-                <a:hlinkClick r:id="rId14"/>
-              </a:rPr>
-              <a:t>http://192.168.0.60/getconfig?httpmqttgateway</a:t>
-            </a:r>
-            <a:r>
-              <a:rPr lang="de-DE" sz="1400" dirty="0"/>
-              <a:t> </a:t>
-            </a:r>
-          </a:p>
-          <a:p>
-            <a:pPr lvl="1"/>
-            <a:r>
-              <a:rPr lang="de-DE" sz="1400" dirty="0"/>
-              <a:t> </a:t>
-            </a:r>
-          </a:p>
-          <a:p>
-            <a:pPr lvl="1"/>
-            <a:endParaRPr lang="de-DE" sz="1400" dirty="0"/>
-          </a:p>
-          <a:p>
-            <a:endParaRPr lang="de-DE" sz="1600" dirty="0"/>
-          </a:p>
-          <a:p>
-            <a:endParaRPr lang="de-DE" sz="1600" dirty="0"/>
+              <a:rPr lang="de-DE" sz="1200" dirty="0"/>
+              <a:t>Netzwerkkonfiguration merkt sich ESP intern</a:t>
+            </a:r>
+          </a:p>
+          <a:p>
+            <a:r>
+              <a:rPr lang="de-DE" sz="1200" dirty="0"/>
+              <a:t>http://192.168.0.45/config?ssid=linksysAtHome</a:t>
+            </a:r>
+          </a:p>
+          <a:p>
+            <a:r>
+              <a:rPr lang="de-DE" sz="1200" dirty="0"/>
+              <a:t>http://192.168.0.45/config?password=YJXPF4WAC7 </a:t>
+            </a:r>
+          </a:p>
+          <a:p>
+            <a:r>
+              <a:rPr lang="de-DE" sz="1200" dirty="0"/>
+              <a:t>http://192.168.0.45/config?ssid=A1-B5035B</a:t>
+            </a:r>
+          </a:p>
+          <a:p>
+            <a:r>
+              <a:rPr lang="de-DE" sz="1200" dirty="0"/>
+              <a:t>http://192.168.0.45/config?password=52809766B6</a:t>
+            </a:r>
+          </a:p>
+          <a:p>
+            <a:r>
+              <a:rPr lang="de-DE" sz="1200" dirty="0"/>
+              <a:t>http://192.168.0.45/config </a:t>
+            </a:r>
+          </a:p>
+          <a:p>
+            <a:endParaRPr lang="de-DE" sz="1200" dirty="0"/>
+          </a:p>
+          <a:p>
+            <a:r>
+              <a:rPr lang="de-DE" sz="1200" dirty="0"/>
+              <a:t>Verbindung testen nach Neustart von </a:t>
+            </a:r>
+            <a:r>
+              <a:rPr lang="de-DE" sz="1200" dirty="0" err="1"/>
+              <a:t>Config</a:t>
+            </a:r>
+            <a:r>
+              <a:rPr lang="de-DE" sz="1200" dirty="0"/>
+              <a:t>-ESP mit Netzwerkzugang</a:t>
+            </a:r>
+          </a:p>
+          <a:p>
+            <a:r>
+              <a:rPr lang="de-DE" sz="1200" dirty="0" err="1"/>
+              <a:t>Miflora</a:t>
+            </a:r>
+            <a:r>
+              <a:rPr lang="de-DE" sz="1200" dirty="0"/>
+              <a:t> hochladen und Rest konfigurieren</a:t>
+            </a:r>
+          </a:p>
+          <a:p>
+            <a:r>
+              <a:rPr lang="de-DE" sz="1200" dirty="0"/>
+              <a:t>http://192.168.0.45/config</a:t>
+            </a:r>
+          </a:p>
+          <a:p>
+            <a:r>
+              <a:rPr lang="de-DE" sz="1200" dirty="0"/>
+              <a:t>http://192.168.0.45/config?thingname=miflorabw2</a:t>
+            </a:r>
+          </a:p>
+          <a:p>
+            <a:r>
+              <a:rPr lang="de-DE" sz="1200" dirty="0"/>
+              <a:t>http://192.168.0.45/config?httpmqttgateway=leobw.synology.me/esplogs/mqtt</a:t>
+            </a:r>
+          </a:p>
+          <a:p>
+            <a:r>
+              <a:rPr lang="de-DE" sz="1200" dirty="0"/>
+              <a:t>http://192.168.0.45/config?httpuser=gerald</a:t>
+            </a:r>
+          </a:p>
+          <a:p>
+            <a:r>
+              <a:rPr lang="de-DE" sz="1200" dirty="0"/>
+              <a:t>http://192.168.0.45/config?httppassword=piKla87Sie57  </a:t>
+            </a:r>
+          </a:p>
+          <a:p>
+            <a:endParaRPr lang="de-DE" sz="1200" dirty="0"/>
+          </a:p>
+          <a:p>
+            <a:r>
+              <a:rPr lang="de-DE" sz="1200" dirty="0"/>
+              <a:t>http://192.168.0.45/config?ssid  </a:t>
+            </a:r>
+          </a:p>
+          <a:p>
+            <a:r>
+              <a:rPr lang="de-DE" sz="1200" dirty="0"/>
+              <a:t>http://192.168.0.45/config?password </a:t>
+            </a:r>
+          </a:p>
+          <a:p>
+            <a:r>
+              <a:rPr lang="de-DE" sz="1200" dirty="0"/>
+              <a:t>http://192.168.0.45/config?httpmqttgateway </a:t>
+            </a:r>
+          </a:p>
+          <a:p>
+            <a:r>
+              <a:rPr lang="de-DE" sz="1200" dirty="0"/>
+              <a:t>http://192.168.0.45/config?httpuser</a:t>
+            </a:r>
+          </a:p>
+          <a:p>
+            <a:r>
+              <a:rPr lang="de-DE" sz="1200" dirty="0"/>
+              <a:t>http://192.168.0.45/config?httppassword</a:t>
+            </a:r>
+          </a:p>
+          <a:p>
+            <a:endParaRPr lang="de-DE" sz="1200" dirty="0"/>
+          </a:p>
+          <a:p>
+            <a:r>
+              <a:rPr lang="de-DE" sz="1200" dirty="0"/>
+              <a:t>http://192.168.0.45/config?mqttpassword=mosquittoKla87Sie57</a:t>
+            </a:r>
+          </a:p>
+          <a:p>
+            <a:r>
+              <a:rPr lang="de-DE" sz="1200" dirty="0"/>
+              <a:t>http://192.168.0.45/config?mqttbroker=leosyn</a:t>
+            </a:r>
+          </a:p>
+          <a:p>
+            <a:r>
+              <a:rPr lang="de-DE" sz="1200" dirty="0"/>
+              <a:t>http://192.168.0.45/config?mqttport=1883</a:t>
+            </a:r>
+          </a:p>
+          <a:p>
+            <a:endParaRPr lang="de-DE" sz="1200" dirty="0"/>
           </a:p>
         </p:txBody>
       </p:sp>
@@ -2688,6 +2626,134 @@
     <p:extLst>
       <p:ext uri="{BB962C8B-B14F-4D97-AF65-F5344CB8AC3E}">
         <p14:creationId xmlns:p14="http://schemas.microsoft.com/office/powerpoint/2010/main" val="1865553051"/>
+      </p:ext>
+    </p:extLst>
+  </p:cSld>
+  <p:clrMapOvr>
+    <a:masterClrMapping/>
+  </p:clrMapOvr>
+</p:sld>
+</file>
+
+<file path=ppt/slides/slide4.xml><?xml version="1.0" encoding="utf-8"?>
+<p:sld xmlns:a="http://schemas.openxmlformats.org/drawingml/2006/main" xmlns:r="http://schemas.openxmlformats.org/officeDocument/2006/relationships" xmlns:p="http://schemas.openxmlformats.org/presentationml/2006/main">
+  <p:cSld>
+    <p:spTree>
+      <p:nvGrpSpPr>
+        <p:cNvPr id="1" name=""/>
+        <p:cNvGrpSpPr/>
+        <p:nvPr/>
+      </p:nvGrpSpPr>
+      <p:grpSpPr>
+        <a:xfrm>
+          <a:off x="0" y="0"/>
+          <a:ext cx="0" cy="0"/>
+          <a:chOff x="0" y="0"/>
+          <a:chExt cx="0" cy="0"/>
+        </a:xfrm>
+      </p:grpSpPr>
+      <p:sp>
+        <p:nvSpPr>
+          <p:cNvPr id="2" name="Titel 1">
+            <a:extLst>
+              <a:ext uri="{FF2B5EF4-FFF2-40B4-BE49-F238E27FC236}">
+                <a16:creationId xmlns:a16="http://schemas.microsoft.com/office/drawing/2014/main" id="{E7C90062-A233-4DF3-912A-5BB4F00456A5}"/>
+              </a:ext>
+            </a:extLst>
+          </p:cNvPr>
+          <p:cNvSpPr>
+            <a:spLocks noGrp="1"/>
+          </p:cNvSpPr>
+          <p:nvPr>
+            <p:ph type="title"/>
+          </p:nvPr>
+        </p:nvSpPr>
+        <p:spPr/>
+        <p:txBody>
+          <a:bodyPr/>
+          <a:lstStyle/>
+          <a:p>
+            <a:r>
+              <a:rPr lang="de-DE" dirty="0"/>
+              <a:t>ESP auslesen</a:t>
+            </a:r>
+          </a:p>
+        </p:txBody>
+      </p:sp>
+      <p:sp>
+        <p:nvSpPr>
+          <p:cNvPr id="3" name="Textplatzhalter 2">
+            <a:extLst>
+              <a:ext uri="{FF2B5EF4-FFF2-40B4-BE49-F238E27FC236}">
+                <a16:creationId xmlns:a16="http://schemas.microsoft.com/office/drawing/2014/main" id="{BAEF2A34-70B9-494A-A286-F8D84CEEC81A}"/>
+              </a:ext>
+            </a:extLst>
+          </p:cNvPr>
+          <p:cNvSpPr>
+            <a:spLocks noGrp="1"/>
+          </p:cNvSpPr>
+          <p:nvPr>
+            <p:ph type="body" sz="quarter" idx="10"/>
+          </p:nvPr>
+        </p:nvSpPr>
+        <p:spPr/>
+        <p:txBody>
+          <a:bodyPr/>
+          <a:lstStyle/>
+          <a:p>
+            <a:r>
+              <a:rPr lang="de-DE" dirty="0"/>
+              <a:t>ESP an PC anschließen</a:t>
+            </a:r>
+          </a:p>
+          <a:p>
+            <a:r>
+              <a:rPr lang="de-DE" dirty="0"/>
+              <a:t>VS-Code mit seriellem Monitor</a:t>
+            </a:r>
+          </a:p>
+          <a:p>
+            <a:r>
+              <a:rPr lang="de-DE" dirty="0"/>
+              <a:t>IP-Adresse ermitteln</a:t>
+            </a:r>
+          </a:p>
+        </p:txBody>
+      </p:sp>
+      <p:pic>
+        <p:nvPicPr>
+          <p:cNvPr id="4" name="Grafik 3">
+            <a:extLst>
+              <a:ext uri="{FF2B5EF4-FFF2-40B4-BE49-F238E27FC236}">
+                <a16:creationId xmlns:a16="http://schemas.microsoft.com/office/drawing/2014/main" id="{9A56BA49-209A-476B-9EA5-5A6C82D10A25}"/>
+              </a:ext>
+            </a:extLst>
+          </p:cNvPr>
+          <p:cNvPicPr>
+            <a:picLocks noChangeAspect="1"/>
+          </p:cNvPicPr>
+          <p:nvPr/>
+        </p:nvPicPr>
+        <p:blipFill>
+          <a:blip r:embed="rId2"/>
+          <a:stretch>
+            <a:fillRect/>
+          </a:stretch>
+        </p:blipFill>
+        <p:spPr>
+          <a:xfrm>
+            <a:off x="0" y="3161270"/>
+            <a:ext cx="9144000" cy="535459"/>
+          </a:xfrm>
+          <a:prstGeom prst="rect">
+            <a:avLst/>
+          </a:prstGeom>
+        </p:spPr>
+      </p:pic>
+    </p:spTree>
+    <p:extLst>
+      <p:ext uri="{BB962C8B-B14F-4D97-AF65-F5344CB8AC3E}">
+        <p14:creationId xmlns:p14="http://schemas.microsoft.com/office/powerpoint/2010/main" val="1517200767"/>
       </p:ext>
     </p:extLst>
   </p:cSld>
